--- a/lfs-7.7-systemd/documents/openEuler开源创新实践课介绍_v1.3.pptx
+++ b/lfs-7.7-systemd/documents/openEuler开源创新实践课介绍_v1.3.pptx
@@ -266,7 +266,7 @@
               <a:rPr lang="en-US" smtClean="0">
                 <a:latin typeface="Huawei Sans" panose="020C0503030203020204" pitchFamily="34" charset="0"/>
               </a:rPr>
-              <a:t>1/12/2022</a:t>
+              <a:t>1/20/2022</a:t>
             </a:fld>
             <a:endParaRPr lang="en-US" dirty="0">
               <a:latin typeface="Huawei Sans" panose="020C0503030203020204" pitchFamily="34" charset="0"/>
@@ -26543,7 +26543,7 @@
               <a:rPr lang="en-US" altLang="zh-CN" dirty="0">
                 <a:hlinkClick r:id="rId4"/>
               </a:rPr>
-              <a:t>https://gitee.com/openeuler-practice-courses/lfs-course</a:t>
+              <a:t>https://gitee.com/openeuler/lfs-course</a:t>
             </a:r>
             <a:r>
               <a:rPr lang="en-US" altLang="zh-CN" dirty="0"/>
@@ -32533,18 +32533,18 @@
 </file>
 
 <file path=customXml/item1.xml><?xml version="1.0" encoding="utf-8"?>
-<p:properties xmlns:p="http://schemas.microsoft.com/office/2006/metadata/properties" xmlns:xsi="http://www.w3.org/2001/XMLSchema-instance" xmlns:pc="http://schemas.microsoft.com/office/infopath/2007/PartnerControls">
-  <documentManagement/>
-</p:properties>
-</file>
-
-<file path=customXml/item2.xml><?xml version="1.0" encoding="utf-8"?>
 <?mso-contentType ?>
 <FormTemplates xmlns="http://schemas.microsoft.com/sharepoint/v3/contenttype/forms">
   <Display>DocumentLibraryForm</Display>
   <Edit>DocumentLibraryForm</Edit>
   <New>DocumentLibraryForm</New>
 </FormTemplates>
+</file>
+
+<file path=customXml/item2.xml><?xml version="1.0" encoding="utf-8"?>
+<p:properties xmlns:p="http://schemas.microsoft.com/office/2006/metadata/properties" xmlns:xsi="http://www.w3.org/2001/XMLSchema-instance" xmlns:pc="http://schemas.microsoft.com/office/infopath/2007/PartnerControls">
+  <documentManagement/>
+</p:properties>
 </file>
 
 <file path=customXml/item3.xml><?xml version="1.0" encoding="utf-8"?>
@@ -32688,6 +32688,14 @@
 </file>
 
 <file path=customXml/itemProps1.xml><?xml version="1.0" encoding="utf-8"?>
+<ds:datastoreItem xmlns:ds="http://schemas.openxmlformats.org/officeDocument/2006/customXml" ds:itemID="{FEDE263F-0510-4442-823E-69B63ECB61E1}">
+  <ds:schemaRefs>
+    <ds:schemaRef ds:uri="http://schemas.microsoft.com/sharepoint/v3/contenttype/forms"/>
+  </ds:schemaRefs>
+</ds:datastoreItem>
+</file>
+
+<file path=customXml/itemProps2.xml><?xml version="1.0" encoding="utf-8"?>
 <ds:datastoreItem xmlns:ds="http://schemas.openxmlformats.org/officeDocument/2006/customXml" ds:itemID="{DA5960F2-6186-408B-A0DC-5CA5E58B604F}">
   <ds:schemaRefs>
     <ds:schemaRef ds:uri="http://schemas.microsoft.com/office/2006/documentManagement/types"/>
@@ -32699,14 +32707,6 @@
     <ds:schemaRef ds:uri="http://schemas.openxmlformats.org/package/2006/metadata/core-properties"/>
     <ds:schemaRef ds:uri="475f1e55-3009-46d8-9566-5d569a2b3a98"/>
     <ds:schemaRef ds:uri="http://schemas.microsoft.com/office/2006/metadata/properties"/>
-  </ds:schemaRefs>
-</ds:datastoreItem>
-</file>
-
-<file path=customXml/itemProps2.xml><?xml version="1.0" encoding="utf-8"?>
-<ds:datastoreItem xmlns:ds="http://schemas.openxmlformats.org/officeDocument/2006/customXml" ds:itemID="{FEDE263F-0510-4442-823E-69B63ECB61E1}">
-  <ds:schemaRefs>
-    <ds:schemaRef ds:uri="http://schemas.microsoft.com/sharepoint/v3/contenttype/forms"/>
   </ds:schemaRefs>
 </ds:datastoreItem>
 </file>
